--- a/presentations/2018-08-27_meeting_w_greg.pptx
+++ b/presentations/2018-08-27_meeting_w_greg.pptx
@@ -298,7 +298,7 @@
           <a:p>
             <a:fld id="{3DD0F677-E25A-4402-8D82-029E18EDC6E1}" type="datetimeFigureOut">
               <a:rPr lang="en-US" smtClean="0"/>
-              <a:t>8/29/2018</a:t>
+              <a:t>9/11/2018</a:t>
             </a:fld>
             <a:endParaRPr lang="en-US"/>
           </a:p>
@@ -3534,7 +3534,15 @@
             </a:pPr>
             <a:r>
               <a:rPr lang="en-US" dirty="0" smtClean="0"/>
-              <a:t>Classification captures all 10 operated or proposed recovery strategies known to the authors</a:t>
+              <a:t>Classification captures all </a:t>
+            </a:r>
+            <a:r>
+              <a:rPr lang="en-US" dirty="0" smtClean="0"/>
+              <a:t>11 </a:t>
+            </a:r>
+            <a:r>
+              <a:rPr lang="en-US" dirty="0" smtClean="0"/>
+              <a:t>operated or proposed recovery strategies known to the authors</a:t>
             </a:r>
             <a:endParaRPr lang="en-US" dirty="0"/>
           </a:p>
@@ -20500,8 +20508,8 @@
           </a:fontRef>
         </p:style>
       </p:cxnSp>
-      <mc:AlternateContent xmlns:mc="http://schemas.openxmlformats.org/markup-compatibility/2006">
-        <mc:Choice xmlns:a14="http://schemas.microsoft.com/office/drawing/2010/main" Requires="a14">
+      <mc:AlternateContent xmlns:mc="http://schemas.openxmlformats.org/markup-compatibility/2006" xmlns:a14="http://schemas.microsoft.com/office/drawing/2010/main">
+        <mc:Choice Requires="a14">
           <p:sp>
             <p:nvSpPr>
               <p:cNvPr id="3" name="TextBox 2"/>
@@ -20570,7 +20578,7 @@
             </p:txBody>
           </p:sp>
         </mc:Choice>
-        <mc:Fallback>
+        <mc:Fallback xmlns="">
           <p:sp>
             <p:nvSpPr>
               <p:cNvPr id="3" name="TextBox 2"/>
@@ -20639,8 +20647,8 @@
           </a:p>
         </p:txBody>
       </p:sp>
-      <mc:AlternateContent xmlns:mc="http://schemas.openxmlformats.org/markup-compatibility/2006">
-        <mc:Choice xmlns:a14="http://schemas.microsoft.com/office/drawing/2010/main" Requires="a14">
+      <mc:AlternateContent xmlns:mc="http://schemas.openxmlformats.org/markup-compatibility/2006" xmlns:a14="http://schemas.microsoft.com/office/drawing/2010/main">
+        <mc:Choice Requires="a14">
           <p:sp>
             <p:nvSpPr>
               <p:cNvPr id="37" name="TextBox 36"/>
@@ -20825,7 +20833,7 @@
             </p:txBody>
           </p:sp>
         </mc:Choice>
-        <mc:Fallback>
+        <mc:Fallback xmlns="">
           <p:sp>
             <p:nvSpPr>
               <p:cNvPr id="37" name="TextBox 36"/>
